--- a/線性代數/project picture.pptx
+++ b/線性代數/project picture.pptx
@@ -104,6 +104,11 @@
       </a:defRPr>
     </a:lvl9pPr>
   </p:defaultTextStyle>
+  <p:extLst>
+    <p:ext uri="{EFAFB233-063F-42B5-8137-9DF3F51BA10A}">
+      <p15:sldGuideLst xmlns:p15="http://schemas.microsoft.com/office/powerpoint/2012/main"/>
+    </p:ext>
+  </p:extLst>
 </p:presentation>
 </file>
 
@@ -254,7 +259,7 @@
           <a:p>
             <a:fld id="{E9E32E8E-530F-4909-A5A3-46D9CDA9AFC7}" type="datetimeFigureOut">
               <a:rPr lang="zh-TW" altLang="en-US" smtClean="0"/>
-              <a:t>2023/12/26</a:t>
+              <a:t>2023/12/28</a:t>
             </a:fld>
             <a:endParaRPr lang="zh-TW" altLang="en-US"/>
           </a:p>
@@ -452,7 +457,7 @@
           <a:p>
             <a:fld id="{E9E32E8E-530F-4909-A5A3-46D9CDA9AFC7}" type="datetimeFigureOut">
               <a:rPr lang="zh-TW" altLang="en-US" smtClean="0"/>
-              <a:t>2023/12/26</a:t>
+              <a:t>2023/12/28</a:t>
             </a:fld>
             <a:endParaRPr lang="zh-TW" altLang="en-US"/>
           </a:p>
@@ -660,7 +665,7 @@
           <a:p>
             <a:fld id="{E9E32E8E-530F-4909-A5A3-46D9CDA9AFC7}" type="datetimeFigureOut">
               <a:rPr lang="zh-TW" altLang="en-US" smtClean="0"/>
-              <a:t>2023/12/26</a:t>
+              <a:t>2023/12/28</a:t>
             </a:fld>
             <a:endParaRPr lang="zh-TW" altLang="en-US"/>
           </a:p>
@@ -858,7 +863,7 @@
           <a:p>
             <a:fld id="{E9E32E8E-530F-4909-A5A3-46D9CDA9AFC7}" type="datetimeFigureOut">
               <a:rPr lang="zh-TW" altLang="en-US" smtClean="0"/>
-              <a:t>2023/12/26</a:t>
+              <a:t>2023/12/28</a:t>
             </a:fld>
             <a:endParaRPr lang="zh-TW" altLang="en-US"/>
           </a:p>
@@ -1133,7 +1138,7 @@
           <a:p>
             <a:fld id="{E9E32E8E-530F-4909-A5A3-46D9CDA9AFC7}" type="datetimeFigureOut">
               <a:rPr lang="zh-TW" altLang="en-US" smtClean="0"/>
-              <a:t>2023/12/26</a:t>
+              <a:t>2023/12/28</a:t>
             </a:fld>
             <a:endParaRPr lang="zh-TW" altLang="en-US"/>
           </a:p>
@@ -1398,7 +1403,7 @@
           <a:p>
             <a:fld id="{E9E32E8E-530F-4909-A5A3-46D9CDA9AFC7}" type="datetimeFigureOut">
               <a:rPr lang="zh-TW" altLang="en-US" smtClean="0"/>
-              <a:t>2023/12/26</a:t>
+              <a:t>2023/12/28</a:t>
             </a:fld>
             <a:endParaRPr lang="zh-TW" altLang="en-US"/>
           </a:p>
@@ -1810,7 +1815,7 @@
           <a:p>
             <a:fld id="{E9E32E8E-530F-4909-A5A3-46D9CDA9AFC7}" type="datetimeFigureOut">
               <a:rPr lang="zh-TW" altLang="en-US" smtClean="0"/>
-              <a:t>2023/12/26</a:t>
+              <a:t>2023/12/28</a:t>
             </a:fld>
             <a:endParaRPr lang="zh-TW" altLang="en-US"/>
           </a:p>
@@ -1951,7 +1956,7 @@
           <a:p>
             <a:fld id="{E9E32E8E-530F-4909-A5A3-46D9CDA9AFC7}" type="datetimeFigureOut">
               <a:rPr lang="zh-TW" altLang="en-US" smtClean="0"/>
-              <a:t>2023/12/26</a:t>
+              <a:t>2023/12/28</a:t>
             </a:fld>
             <a:endParaRPr lang="zh-TW" altLang="en-US"/>
           </a:p>
@@ -2064,7 +2069,7 @@
           <a:p>
             <a:fld id="{E9E32E8E-530F-4909-A5A3-46D9CDA9AFC7}" type="datetimeFigureOut">
               <a:rPr lang="zh-TW" altLang="en-US" smtClean="0"/>
-              <a:t>2023/12/26</a:t>
+              <a:t>2023/12/28</a:t>
             </a:fld>
             <a:endParaRPr lang="zh-TW" altLang="en-US"/>
           </a:p>
@@ -2375,7 +2380,7 @@
           <a:p>
             <a:fld id="{E9E32E8E-530F-4909-A5A3-46D9CDA9AFC7}" type="datetimeFigureOut">
               <a:rPr lang="zh-TW" altLang="en-US" smtClean="0"/>
-              <a:t>2023/12/26</a:t>
+              <a:t>2023/12/28</a:t>
             </a:fld>
             <a:endParaRPr lang="zh-TW" altLang="en-US"/>
           </a:p>
@@ -2663,7 +2668,7 @@
           <a:p>
             <a:fld id="{E9E32E8E-530F-4909-A5A3-46D9CDA9AFC7}" type="datetimeFigureOut">
               <a:rPr lang="zh-TW" altLang="en-US" smtClean="0"/>
-              <a:t>2023/12/26</a:t>
+              <a:t>2023/12/28</a:t>
             </a:fld>
             <a:endParaRPr lang="zh-TW" altLang="en-US"/>
           </a:p>
@@ -2904,7 +2909,7 @@
           <a:p>
             <a:fld id="{E9E32E8E-530F-4909-A5A3-46D9CDA9AFC7}" type="datetimeFigureOut">
               <a:rPr lang="zh-TW" altLang="en-US" smtClean="0"/>
-              <a:t>2023/12/26</a:t>
+              <a:t>2023/12/28</a:t>
             </a:fld>
             <a:endParaRPr lang="zh-TW" altLang="en-US"/>
           </a:p>
@@ -3323,10 +3328,10 @@
       </p:grpSpPr>
       <p:grpSp>
         <p:nvGrpSpPr>
-          <p:cNvPr id="10" name="群組 9">
-            <a:extLst>
-              <a:ext uri="{FF2B5EF4-FFF2-40B4-BE49-F238E27FC236}">
-                <a16:creationId xmlns:a16="http://schemas.microsoft.com/office/drawing/2014/main" id="{9242ABC0-64EF-4D6A-AD5A-789F67B85046}"/>
+          <p:cNvPr id="3" name="群組 2">
+            <a:extLst>
+              <a:ext uri="{FF2B5EF4-FFF2-40B4-BE49-F238E27FC236}">
+                <a16:creationId xmlns:a16="http://schemas.microsoft.com/office/drawing/2014/main" id="{76AF7879-7CAF-4960-80D7-706FFB404E45}"/>
               </a:ext>
             </a:extLst>
           </p:cNvPr>
@@ -3335,226 +3340,18 @@
         </p:nvGrpSpPr>
         <p:grpSpPr>
           <a:xfrm>
-            <a:off x="2497667" y="872066"/>
-            <a:ext cx="931333" cy="948267"/>
-            <a:chOff x="1642533" y="1278466"/>
-            <a:chExt cx="931333" cy="948267"/>
-          </a:xfrm>
-        </p:grpSpPr>
-        <p:sp>
-          <p:nvSpPr>
-            <p:cNvPr id="4" name="橢圓 3">
-              <a:extLst>
-                <a:ext uri="{FF2B5EF4-FFF2-40B4-BE49-F238E27FC236}">
-                  <a16:creationId xmlns:a16="http://schemas.microsoft.com/office/drawing/2014/main" id="{4CB043AF-2F14-416E-AB90-DC9D0A14FBAE}"/>
-                </a:ext>
-              </a:extLst>
-            </p:cNvPr>
-            <p:cNvSpPr/>
-            <p:nvPr/>
-          </p:nvSpPr>
-          <p:spPr>
-            <a:xfrm>
-              <a:off x="1642533" y="1278466"/>
-              <a:ext cx="931333" cy="948267"/>
-            </a:xfrm>
-            <a:prstGeom prst="ellipse">
-              <a:avLst/>
-            </a:prstGeom>
-          </p:spPr>
-          <p:style>
-            <a:lnRef idx="2">
-              <a:schemeClr val="accent1">
-                <a:shade val="50000"/>
-              </a:schemeClr>
-            </a:lnRef>
-            <a:fillRef idx="1">
-              <a:schemeClr val="accent1"/>
-            </a:fillRef>
-            <a:effectRef idx="0">
-              <a:schemeClr val="accent1"/>
-            </a:effectRef>
-            <a:fontRef idx="minor">
-              <a:schemeClr val="lt1"/>
-            </a:fontRef>
-          </p:style>
-          <p:txBody>
-            <a:bodyPr rtlCol="0" anchor="ctr"/>
-            <a:lstStyle/>
-            <a:p>
-              <a:pPr algn="ctr"/>
-              <a:endParaRPr lang="zh-TW" altLang="en-US"/>
-            </a:p>
-          </p:txBody>
-        </p:sp>
-        <p:sp>
-          <p:nvSpPr>
-            <p:cNvPr id="9" name="局部圓 8">
-              <a:extLst>
-                <a:ext uri="{FF2B5EF4-FFF2-40B4-BE49-F238E27FC236}">
-                  <a16:creationId xmlns:a16="http://schemas.microsoft.com/office/drawing/2014/main" id="{7ED662D1-C29E-47BE-B030-D9E55483F0C8}"/>
-                </a:ext>
-              </a:extLst>
-            </p:cNvPr>
-            <p:cNvSpPr/>
-            <p:nvPr/>
-          </p:nvSpPr>
-          <p:spPr>
-            <a:xfrm>
-              <a:off x="1650999" y="1295399"/>
-              <a:ext cx="914400" cy="914400"/>
-            </a:xfrm>
-            <a:prstGeom prst="pie">
-              <a:avLst/>
-            </a:prstGeom>
-            <a:solidFill>
-              <a:schemeClr val="bg1"/>
-            </a:solidFill>
-          </p:spPr>
-          <p:style>
-            <a:lnRef idx="2">
-              <a:schemeClr val="accent1">
-                <a:shade val="50000"/>
-              </a:schemeClr>
-            </a:lnRef>
-            <a:fillRef idx="1">
-              <a:schemeClr val="accent1"/>
-            </a:fillRef>
-            <a:effectRef idx="0">
-              <a:schemeClr val="accent1"/>
-            </a:effectRef>
-            <a:fontRef idx="minor">
-              <a:schemeClr val="lt1"/>
-            </a:fontRef>
-          </p:style>
-          <p:txBody>
-            <a:bodyPr rtlCol="0" anchor="ctr"/>
-            <a:lstStyle/>
-            <a:p>
-              <a:pPr algn="ctr"/>
-              <a:endParaRPr lang="zh-TW" altLang="en-US">
-                <a:solidFill>
-                  <a:schemeClr val="tx1"/>
-                </a:solidFill>
-              </a:endParaRPr>
-            </a:p>
-          </p:txBody>
-        </p:sp>
-        <p:cxnSp>
-          <p:nvCxnSpPr>
-            <p:cNvPr id="8" name="直線接點 7">
-              <a:extLst>
-                <a:ext uri="{FF2B5EF4-FFF2-40B4-BE49-F238E27FC236}">
-                  <a16:creationId xmlns:a16="http://schemas.microsoft.com/office/drawing/2014/main" id="{7A2C2BFB-BEB1-4C4D-A954-A673E41EF8FA}"/>
-                </a:ext>
-              </a:extLst>
-            </p:cNvPr>
-            <p:cNvCxnSpPr>
-              <a:stCxn id="4" idx="0"/>
-              <a:endCxn id="4" idx="4"/>
-            </p:cNvCxnSpPr>
-            <p:nvPr/>
-          </p:nvCxnSpPr>
-          <p:spPr>
-            <a:xfrm>
-              <a:off x="2108200" y="1278466"/>
-              <a:ext cx="0" cy="948267"/>
-            </a:xfrm>
-            <a:prstGeom prst="line">
-              <a:avLst/>
-            </a:prstGeom>
-            <a:ln w="28575">
-              <a:solidFill>
-                <a:srgbClr val="FF0000"/>
-              </a:solidFill>
-            </a:ln>
-          </p:spPr>
-          <p:style>
-            <a:lnRef idx="1">
-              <a:schemeClr val="accent1"/>
-            </a:lnRef>
-            <a:fillRef idx="0">
-              <a:schemeClr val="accent1"/>
-            </a:fillRef>
-            <a:effectRef idx="0">
-              <a:schemeClr val="accent1"/>
-            </a:effectRef>
-            <a:fontRef idx="minor">
-              <a:schemeClr val="tx1"/>
-            </a:fontRef>
-          </p:style>
-        </p:cxnSp>
-        <p:cxnSp>
-          <p:nvCxnSpPr>
-            <p:cNvPr id="6" name="直線接點 5">
-              <a:extLst>
-                <a:ext uri="{FF2B5EF4-FFF2-40B4-BE49-F238E27FC236}">
-                  <a16:creationId xmlns:a16="http://schemas.microsoft.com/office/drawing/2014/main" id="{6462D218-5BFC-4662-B2B0-97C1CFD06A19}"/>
-                </a:ext>
-              </a:extLst>
-            </p:cNvPr>
-            <p:cNvCxnSpPr>
-              <a:stCxn id="4" idx="2"/>
-              <a:endCxn id="4" idx="6"/>
-            </p:cNvCxnSpPr>
-            <p:nvPr/>
-          </p:nvCxnSpPr>
-          <p:spPr>
-            <a:xfrm>
-              <a:off x="1642533" y="1752600"/>
-              <a:ext cx="931333" cy="0"/>
-            </a:xfrm>
-            <a:prstGeom prst="line">
-              <a:avLst/>
-            </a:prstGeom>
-            <a:ln w="28575">
-              <a:solidFill>
-                <a:srgbClr val="FF0000"/>
-              </a:solidFill>
-            </a:ln>
-          </p:spPr>
-          <p:style>
-            <a:lnRef idx="1">
-              <a:schemeClr val="accent1"/>
-            </a:lnRef>
-            <a:fillRef idx="0">
-              <a:schemeClr val="accent1"/>
-            </a:fillRef>
-            <a:effectRef idx="0">
-              <a:schemeClr val="accent1"/>
-            </a:effectRef>
-            <a:fontRef idx="minor">
-              <a:schemeClr val="tx1"/>
-            </a:fontRef>
-          </p:style>
-        </p:cxnSp>
-      </p:grpSp>
-      <p:grpSp>
-        <p:nvGrpSpPr>
-          <p:cNvPr id="24" name="群組 23">
-            <a:extLst>
-              <a:ext uri="{FF2B5EF4-FFF2-40B4-BE49-F238E27FC236}">
-                <a16:creationId xmlns:a16="http://schemas.microsoft.com/office/drawing/2014/main" id="{7A870D7D-5EBD-4E9D-A6CE-F77149CC4633}"/>
-              </a:ext>
-            </a:extLst>
-          </p:cNvPr>
-          <p:cNvGrpSpPr/>
-          <p:nvPr/>
-        </p:nvGrpSpPr>
-        <p:grpSpPr>
-          <a:xfrm>
-            <a:off x="4038601" y="872065"/>
-            <a:ext cx="931333" cy="948267"/>
-            <a:chOff x="4944534" y="1803399"/>
-            <a:chExt cx="931333" cy="948267"/>
+            <a:off x="3197659" y="1771055"/>
+            <a:ext cx="4013199" cy="1408000"/>
+            <a:chOff x="956735" y="869533"/>
+            <a:chExt cx="4013199" cy="1408000"/>
           </a:xfrm>
         </p:grpSpPr>
         <p:grpSp>
           <p:nvGrpSpPr>
-            <p:cNvPr id="11" name="群組 10">
+            <p:cNvPr id="10" name="群組 9">
               <a:extLst>
                 <a:ext uri="{FF2B5EF4-FFF2-40B4-BE49-F238E27FC236}">
-                  <a16:creationId xmlns:a16="http://schemas.microsoft.com/office/drawing/2014/main" id="{1351E02C-ED2F-49F3-B2E4-634D16C5A127}"/>
+                  <a16:creationId xmlns:a16="http://schemas.microsoft.com/office/drawing/2014/main" id="{9242ABC0-64EF-4D6A-AD5A-789F67B85046}"/>
                 </a:ext>
               </a:extLst>
             </p:cNvPr>
@@ -3563,7 +3360,7 @@
           </p:nvGrpSpPr>
           <p:grpSpPr>
             <a:xfrm>
-              <a:off x="4944534" y="1803399"/>
+              <a:off x="2497667" y="872066"/>
               <a:ext cx="931333" cy="948267"/>
               <a:chOff x="1642533" y="1278466"/>
               <a:chExt cx="931333" cy="948267"/>
@@ -3571,10 +3368,10 @@
           </p:grpSpPr>
           <p:sp>
             <p:nvSpPr>
-              <p:cNvPr id="12" name="橢圓 11">
+              <p:cNvPr id="4" name="橢圓 3">
                 <a:extLst>
                   <a:ext uri="{FF2B5EF4-FFF2-40B4-BE49-F238E27FC236}">
-                    <a16:creationId xmlns:a16="http://schemas.microsoft.com/office/drawing/2014/main" id="{1F031F0A-1C2C-499D-BEDA-13A8DF718B58}"/>
+                    <a16:creationId xmlns:a16="http://schemas.microsoft.com/office/drawing/2014/main" id="{4CB043AF-2F14-416E-AB90-DC9D0A14FBAE}"/>
                   </a:ext>
                 </a:extLst>
               </p:cNvPr>
@@ -3617,10 +3414,538 @@
           </p:sp>
           <p:sp>
             <p:nvSpPr>
-              <p:cNvPr id="13" name="局部圓 12">
+              <p:cNvPr id="9" name="局部圓 8">
                 <a:extLst>
                   <a:ext uri="{FF2B5EF4-FFF2-40B4-BE49-F238E27FC236}">
-                    <a16:creationId xmlns:a16="http://schemas.microsoft.com/office/drawing/2014/main" id="{870CF32E-B6E4-4ACD-92B3-2BC31DC023FE}"/>
+                    <a16:creationId xmlns:a16="http://schemas.microsoft.com/office/drawing/2014/main" id="{7ED662D1-C29E-47BE-B030-D9E55483F0C8}"/>
+                  </a:ext>
+                </a:extLst>
+              </p:cNvPr>
+              <p:cNvSpPr/>
+              <p:nvPr/>
+            </p:nvSpPr>
+            <p:spPr>
+              <a:xfrm>
+                <a:off x="1650999" y="1295399"/>
+                <a:ext cx="914400" cy="914400"/>
+              </a:xfrm>
+              <a:prstGeom prst="pie">
+                <a:avLst/>
+              </a:prstGeom>
+              <a:solidFill>
+                <a:schemeClr val="bg1"/>
+              </a:solidFill>
+            </p:spPr>
+            <p:style>
+              <a:lnRef idx="2">
+                <a:schemeClr val="accent1">
+                  <a:shade val="50000"/>
+                </a:schemeClr>
+              </a:lnRef>
+              <a:fillRef idx="1">
+                <a:schemeClr val="accent1"/>
+              </a:fillRef>
+              <a:effectRef idx="0">
+                <a:schemeClr val="accent1"/>
+              </a:effectRef>
+              <a:fontRef idx="minor">
+                <a:schemeClr val="lt1"/>
+              </a:fontRef>
+            </p:style>
+            <p:txBody>
+              <a:bodyPr rtlCol="0" anchor="ctr"/>
+              <a:lstStyle/>
+              <a:p>
+                <a:pPr algn="ctr"/>
+                <a:endParaRPr lang="zh-TW" altLang="en-US">
+                  <a:solidFill>
+                    <a:schemeClr val="tx1"/>
+                  </a:solidFill>
+                </a:endParaRPr>
+              </a:p>
+            </p:txBody>
+          </p:sp>
+          <p:cxnSp>
+            <p:nvCxnSpPr>
+              <p:cNvPr id="8" name="直線接點 7">
+                <a:extLst>
+                  <a:ext uri="{FF2B5EF4-FFF2-40B4-BE49-F238E27FC236}">
+                    <a16:creationId xmlns:a16="http://schemas.microsoft.com/office/drawing/2014/main" id="{7A2C2BFB-BEB1-4C4D-A954-A673E41EF8FA}"/>
+                  </a:ext>
+                </a:extLst>
+              </p:cNvPr>
+              <p:cNvCxnSpPr>
+                <a:stCxn id="4" idx="0"/>
+                <a:endCxn id="4" idx="4"/>
+              </p:cNvCxnSpPr>
+              <p:nvPr/>
+            </p:nvCxnSpPr>
+            <p:spPr>
+              <a:xfrm>
+                <a:off x="2108200" y="1278466"/>
+                <a:ext cx="0" cy="948267"/>
+              </a:xfrm>
+              <a:prstGeom prst="line">
+                <a:avLst/>
+              </a:prstGeom>
+              <a:ln w="28575">
+                <a:solidFill>
+                  <a:srgbClr val="FF0000"/>
+                </a:solidFill>
+              </a:ln>
+            </p:spPr>
+            <p:style>
+              <a:lnRef idx="1">
+                <a:schemeClr val="accent1"/>
+              </a:lnRef>
+              <a:fillRef idx="0">
+                <a:schemeClr val="accent1"/>
+              </a:fillRef>
+              <a:effectRef idx="0">
+                <a:schemeClr val="accent1"/>
+              </a:effectRef>
+              <a:fontRef idx="minor">
+                <a:schemeClr val="tx1"/>
+              </a:fontRef>
+            </p:style>
+          </p:cxnSp>
+          <p:cxnSp>
+            <p:nvCxnSpPr>
+              <p:cNvPr id="6" name="直線接點 5">
+                <a:extLst>
+                  <a:ext uri="{FF2B5EF4-FFF2-40B4-BE49-F238E27FC236}">
+                    <a16:creationId xmlns:a16="http://schemas.microsoft.com/office/drawing/2014/main" id="{6462D218-5BFC-4662-B2B0-97C1CFD06A19}"/>
+                  </a:ext>
+                </a:extLst>
+              </p:cNvPr>
+              <p:cNvCxnSpPr>
+                <a:stCxn id="4" idx="2"/>
+                <a:endCxn id="4" idx="6"/>
+              </p:cNvCxnSpPr>
+              <p:nvPr/>
+            </p:nvCxnSpPr>
+            <p:spPr>
+              <a:xfrm>
+                <a:off x="1642533" y="1752600"/>
+                <a:ext cx="931333" cy="0"/>
+              </a:xfrm>
+              <a:prstGeom prst="line">
+                <a:avLst/>
+              </a:prstGeom>
+              <a:ln w="28575">
+                <a:solidFill>
+                  <a:srgbClr val="FF0000"/>
+                </a:solidFill>
+              </a:ln>
+            </p:spPr>
+            <p:style>
+              <a:lnRef idx="1">
+                <a:schemeClr val="accent1"/>
+              </a:lnRef>
+              <a:fillRef idx="0">
+                <a:schemeClr val="accent1"/>
+              </a:fillRef>
+              <a:effectRef idx="0">
+                <a:schemeClr val="accent1"/>
+              </a:effectRef>
+              <a:fontRef idx="minor">
+                <a:schemeClr val="tx1"/>
+              </a:fontRef>
+            </p:style>
+          </p:cxnSp>
+        </p:grpSp>
+        <p:grpSp>
+          <p:nvGrpSpPr>
+            <p:cNvPr id="24" name="群組 23">
+              <a:extLst>
+                <a:ext uri="{FF2B5EF4-FFF2-40B4-BE49-F238E27FC236}">
+                  <a16:creationId xmlns:a16="http://schemas.microsoft.com/office/drawing/2014/main" id="{7A870D7D-5EBD-4E9D-A6CE-F77149CC4633}"/>
+                </a:ext>
+              </a:extLst>
+            </p:cNvPr>
+            <p:cNvGrpSpPr/>
+            <p:nvPr/>
+          </p:nvGrpSpPr>
+          <p:grpSpPr>
+            <a:xfrm>
+              <a:off x="4038601" y="872065"/>
+              <a:ext cx="931333" cy="948267"/>
+              <a:chOff x="4944534" y="1803399"/>
+              <a:chExt cx="931333" cy="948267"/>
+            </a:xfrm>
+          </p:grpSpPr>
+          <p:grpSp>
+            <p:nvGrpSpPr>
+              <p:cNvPr id="11" name="群組 10">
+                <a:extLst>
+                  <a:ext uri="{FF2B5EF4-FFF2-40B4-BE49-F238E27FC236}">
+                    <a16:creationId xmlns:a16="http://schemas.microsoft.com/office/drawing/2014/main" id="{1351E02C-ED2F-49F3-B2E4-634D16C5A127}"/>
+                  </a:ext>
+                </a:extLst>
+              </p:cNvPr>
+              <p:cNvGrpSpPr/>
+              <p:nvPr/>
+            </p:nvGrpSpPr>
+            <p:grpSpPr>
+              <a:xfrm>
+                <a:off x="4944534" y="1803399"/>
+                <a:ext cx="931333" cy="948267"/>
+                <a:chOff x="1642533" y="1278466"/>
+                <a:chExt cx="931333" cy="948267"/>
+              </a:xfrm>
+            </p:grpSpPr>
+            <p:sp>
+              <p:nvSpPr>
+                <p:cNvPr id="12" name="橢圓 11">
+                  <a:extLst>
+                    <a:ext uri="{FF2B5EF4-FFF2-40B4-BE49-F238E27FC236}">
+                      <a16:creationId xmlns:a16="http://schemas.microsoft.com/office/drawing/2014/main" id="{1F031F0A-1C2C-499D-BEDA-13A8DF718B58}"/>
+                    </a:ext>
+                  </a:extLst>
+                </p:cNvPr>
+                <p:cNvSpPr/>
+                <p:nvPr/>
+              </p:nvSpPr>
+              <p:spPr>
+                <a:xfrm>
+                  <a:off x="1642533" y="1278466"/>
+                  <a:ext cx="931333" cy="948267"/>
+                </a:xfrm>
+                <a:prstGeom prst="ellipse">
+                  <a:avLst/>
+                </a:prstGeom>
+              </p:spPr>
+              <p:style>
+                <a:lnRef idx="2">
+                  <a:schemeClr val="accent1">
+                    <a:shade val="50000"/>
+                  </a:schemeClr>
+                </a:lnRef>
+                <a:fillRef idx="1">
+                  <a:schemeClr val="accent1"/>
+                </a:fillRef>
+                <a:effectRef idx="0">
+                  <a:schemeClr val="accent1"/>
+                </a:effectRef>
+                <a:fontRef idx="minor">
+                  <a:schemeClr val="lt1"/>
+                </a:fontRef>
+              </p:style>
+              <p:txBody>
+                <a:bodyPr rtlCol="0" anchor="ctr"/>
+                <a:lstStyle/>
+                <a:p>
+                  <a:pPr algn="ctr"/>
+                  <a:endParaRPr lang="zh-TW" altLang="en-US"/>
+                </a:p>
+              </p:txBody>
+            </p:sp>
+            <p:sp>
+              <p:nvSpPr>
+                <p:cNvPr id="13" name="局部圓 12">
+                  <a:extLst>
+                    <a:ext uri="{FF2B5EF4-FFF2-40B4-BE49-F238E27FC236}">
+                      <a16:creationId xmlns:a16="http://schemas.microsoft.com/office/drawing/2014/main" id="{870CF32E-B6E4-4ACD-92B3-2BC31DC023FE}"/>
+                    </a:ext>
+                  </a:extLst>
+                </p:cNvPr>
+                <p:cNvSpPr/>
+                <p:nvPr/>
+              </p:nvSpPr>
+              <p:spPr>
+                <a:xfrm>
+                  <a:off x="1650999" y="1295399"/>
+                  <a:ext cx="914400" cy="914400"/>
+                </a:xfrm>
+                <a:prstGeom prst="pie">
+                  <a:avLst>
+                    <a:gd name="adj1" fmla="val 21588340"/>
+                    <a:gd name="adj2" fmla="val 18900005"/>
+                  </a:avLst>
+                </a:prstGeom>
+                <a:solidFill>
+                  <a:schemeClr val="bg1"/>
+                </a:solidFill>
+              </p:spPr>
+              <p:style>
+                <a:lnRef idx="2">
+                  <a:schemeClr val="accent1">
+                    <a:shade val="50000"/>
+                  </a:schemeClr>
+                </a:lnRef>
+                <a:fillRef idx="1">
+                  <a:schemeClr val="accent1"/>
+                </a:fillRef>
+                <a:effectRef idx="0">
+                  <a:schemeClr val="accent1"/>
+                </a:effectRef>
+                <a:fontRef idx="minor">
+                  <a:schemeClr val="lt1"/>
+                </a:fontRef>
+              </p:style>
+              <p:txBody>
+                <a:bodyPr rtlCol="0" anchor="ctr"/>
+                <a:lstStyle/>
+                <a:p>
+                  <a:pPr algn="ctr"/>
+                  <a:endParaRPr lang="zh-TW" altLang="en-US">
+                    <a:solidFill>
+                      <a:schemeClr val="tx1"/>
+                    </a:solidFill>
+                  </a:endParaRPr>
+                </a:p>
+              </p:txBody>
+            </p:sp>
+            <p:cxnSp>
+              <p:nvCxnSpPr>
+                <p:cNvPr id="14" name="直線接點 13">
+                  <a:extLst>
+                    <a:ext uri="{FF2B5EF4-FFF2-40B4-BE49-F238E27FC236}">
+                      <a16:creationId xmlns:a16="http://schemas.microsoft.com/office/drawing/2014/main" id="{297B8DA8-0AA7-44AB-9D71-19BF154F06B3}"/>
+                    </a:ext>
+                  </a:extLst>
+                </p:cNvPr>
+                <p:cNvCxnSpPr>
+                  <a:stCxn id="12" idx="0"/>
+                  <a:endCxn id="12" idx="4"/>
+                </p:cNvCxnSpPr>
+                <p:nvPr/>
+              </p:nvCxnSpPr>
+              <p:spPr>
+                <a:xfrm>
+                  <a:off x="2108200" y="1278466"/>
+                  <a:ext cx="0" cy="948267"/>
+                </a:xfrm>
+                <a:prstGeom prst="line">
+                  <a:avLst/>
+                </a:prstGeom>
+                <a:ln w="28575">
+                  <a:solidFill>
+                    <a:srgbClr val="FF0000"/>
+                  </a:solidFill>
+                </a:ln>
+              </p:spPr>
+              <p:style>
+                <a:lnRef idx="1">
+                  <a:schemeClr val="accent1"/>
+                </a:lnRef>
+                <a:fillRef idx="0">
+                  <a:schemeClr val="accent1"/>
+                </a:fillRef>
+                <a:effectRef idx="0">
+                  <a:schemeClr val="accent1"/>
+                </a:effectRef>
+                <a:fontRef idx="minor">
+                  <a:schemeClr val="tx1"/>
+                </a:fontRef>
+              </p:style>
+            </p:cxnSp>
+            <p:cxnSp>
+              <p:nvCxnSpPr>
+                <p:cNvPr id="15" name="直線接點 14">
+                  <a:extLst>
+                    <a:ext uri="{FF2B5EF4-FFF2-40B4-BE49-F238E27FC236}">
+                      <a16:creationId xmlns:a16="http://schemas.microsoft.com/office/drawing/2014/main" id="{C6935F57-243A-4C49-BBE1-32E6A7830C7C}"/>
+                    </a:ext>
+                  </a:extLst>
+                </p:cNvPr>
+                <p:cNvCxnSpPr>
+                  <a:stCxn id="12" idx="2"/>
+                  <a:endCxn id="12" idx="6"/>
+                </p:cNvCxnSpPr>
+                <p:nvPr/>
+              </p:nvCxnSpPr>
+              <p:spPr>
+                <a:xfrm>
+                  <a:off x="1642533" y="1752600"/>
+                  <a:ext cx="931333" cy="0"/>
+                </a:xfrm>
+                <a:prstGeom prst="line">
+                  <a:avLst/>
+                </a:prstGeom>
+                <a:ln w="28575">
+                  <a:solidFill>
+                    <a:srgbClr val="FF0000"/>
+                  </a:solidFill>
+                </a:ln>
+              </p:spPr>
+              <p:style>
+                <a:lnRef idx="1">
+                  <a:schemeClr val="accent1"/>
+                </a:lnRef>
+                <a:fillRef idx="0">
+                  <a:schemeClr val="accent1"/>
+                </a:fillRef>
+                <a:effectRef idx="0">
+                  <a:schemeClr val="accent1"/>
+                </a:effectRef>
+                <a:fontRef idx="minor">
+                  <a:schemeClr val="tx1"/>
+                </a:fontRef>
+              </p:style>
+            </p:cxnSp>
+          </p:grpSp>
+          <p:cxnSp>
+            <p:nvCxnSpPr>
+              <p:cNvPr id="17" name="直線接點 16">
+                <a:extLst>
+                  <a:ext uri="{FF2B5EF4-FFF2-40B4-BE49-F238E27FC236}">
+                    <a16:creationId xmlns:a16="http://schemas.microsoft.com/office/drawing/2014/main" id="{8CB22A4D-0DBF-464A-9CF7-3381518650B2}"/>
+                  </a:ext>
+                </a:extLst>
+              </p:cNvPr>
+              <p:cNvCxnSpPr>
+                <a:cxnSpLocks/>
+                <a:stCxn id="12" idx="7"/>
+              </p:cNvCxnSpPr>
+              <p:nvPr/>
+            </p:nvCxnSpPr>
+            <p:spPr>
+              <a:xfrm flipH="1">
+                <a:off x="5096933" y="1942269"/>
+                <a:ext cx="642543" cy="665464"/>
+              </a:xfrm>
+              <a:prstGeom prst="line">
+                <a:avLst/>
+              </a:prstGeom>
+              <a:ln w="28575">
+                <a:solidFill>
+                  <a:srgbClr val="FF0000"/>
+                </a:solidFill>
+              </a:ln>
+            </p:spPr>
+            <p:style>
+              <a:lnRef idx="1">
+                <a:schemeClr val="accent1"/>
+              </a:lnRef>
+              <a:fillRef idx="0">
+                <a:schemeClr val="accent1"/>
+              </a:fillRef>
+              <a:effectRef idx="0">
+                <a:schemeClr val="accent1"/>
+              </a:effectRef>
+              <a:fontRef idx="minor">
+                <a:schemeClr val="tx1"/>
+              </a:fontRef>
+            </p:style>
+          </p:cxnSp>
+          <p:cxnSp>
+            <p:nvCxnSpPr>
+              <p:cNvPr id="21" name="直線接點 20">
+                <a:extLst>
+                  <a:ext uri="{FF2B5EF4-FFF2-40B4-BE49-F238E27FC236}">
+                    <a16:creationId xmlns:a16="http://schemas.microsoft.com/office/drawing/2014/main" id="{B51247B8-4D63-471D-9692-F2A0DF1350A9}"/>
+                  </a:ext>
+                </a:extLst>
+              </p:cNvPr>
+              <p:cNvCxnSpPr>
+                <a:cxnSpLocks/>
+                <a:stCxn id="12" idx="5"/>
+              </p:cNvCxnSpPr>
+              <p:nvPr/>
+            </p:nvCxnSpPr>
+            <p:spPr>
+              <a:xfrm flipH="1" flipV="1">
+                <a:off x="5080928" y="1942270"/>
+                <a:ext cx="658548" cy="670526"/>
+              </a:xfrm>
+              <a:prstGeom prst="line">
+                <a:avLst/>
+              </a:prstGeom>
+              <a:ln w="28575">
+                <a:solidFill>
+                  <a:srgbClr val="FF0000"/>
+                </a:solidFill>
+              </a:ln>
+            </p:spPr>
+            <p:style>
+              <a:lnRef idx="1">
+                <a:schemeClr val="accent1"/>
+              </a:lnRef>
+              <a:fillRef idx="0">
+                <a:schemeClr val="accent1"/>
+              </a:fillRef>
+              <a:effectRef idx="0">
+                <a:schemeClr val="accent1"/>
+              </a:effectRef>
+              <a:fontRef idx="minor">
+                <a:schemeClr val="tx1"/>
+              </a:fontRef>
+            </p:style>
+          </p:cxnSp>
+        </p:grpSp>
+        <p:grpSp>
+          <p:nvGrpSpPr>
+            <p:cNvPr id="25" name="群組 24">
+              <a:extLst>
+                <a:ext uri="{FF2B5EF4-FFF2-40B4-BE49-F238E27FC236}">
+                  <a16:creationId xmlns:a16="http://schemas.microsoft.com/office/drawing/2014/main" id="{A03D0E80-0A4F-4EA9-96D7-F52BBFDFE150}"/>
+                </a:ext>
+              </a:extLst>
+            </p:cNvPr>
+            <p:cNvGrpSpPr/>
+            <p:nvPr/>
+          </p:nvGrpSpPr>
+          <p:grpSpPr>
+            <a:xfrm>
+              <a:off x="956735" y="869533"/>
+              <a:ext cx="931333" cy="948267"/>
+              <a:chOff x="1642533" y="1278466"/>
+              <a:chExt cx="931333" cy="948267"/>
+            </a:xfrm>
+          </p:grpSpPr>
+          <p:sp>
+            <p:nvSpPr>
+              <p:cNvPr id="26" name="橢圓 25">
+                <a:extLst>
+                  <a:ext uri="{FF2B5EF4-FFF2-40B4-BE49-F238E27FC236}">
+                    <a16:creationId xmlns:a16="http://schemas.microsoft.com/office/drawing/2014/main" id="{06B0411B-003C-44AE-B35E-3A7ABE23E49C}"/>
+                  </a:ext>
+                </a:extLst>
+              </p:cNvPr>
+              <p:cNvSpPr/>
+              <p:nvPr/>
+            </p:nvSpPr>
+            <p:spPr>
+              <a:xfrm>
+                <a:off x="1642533" y="1278466"/>
+                <a:ext cx="931333" cy="948267"/>
+              </a:xfrm>
+              <a:prstGeom prst="ellipse">
+                <a:avLst/>
+              </a:prstGeom>
+            </p:spPr>
+            <p:style>
+              <a:lnRef idx="2">
+                <a:schemeClr val="accent1">
+                  <a:shade val="50000"/>
+                </a:schemeClr>
+              </a:lnRef>
+              <a:fillRef idx="1">
+                <a:schemeClr val="accent1"/>
+              </a:fillRef>
+              <a:effectRef idx="0">
+                <a:schemeClr val="accent1"/>
+              </a:effectRef>
+              <a:fontRef idx="minor">
+                <a:schemeClr val="lt1"/>
+              </a:fontRef>
+            </p:style>
+            <p:txBody>
+              <a:bodyPr rtlCol="0" anchor="ctr"/>
+              <a:lstStyle/>
+              <a:p>
+                <a:pPr algn="ctr"/>
+                <a:endParaRPr lang="zh-TW" altLang="en-US"/>
+              </a:p>
+            </p:txBody>
+          </p:sp>
+          <p:sp>
+            <p:nvSpPr>
+              <p:cNvPr id="27" name="局部圓 26">
+                <a:extLst>
+                  <a:ext uri="{FF2B5EF4-FFF2-40B4-BE49-F238E27FC236}">
+                    <a16:creationId xmlns:a16="http://schemas.microsoft.com/office/drawing/2014/main" id="{0F3036E1-8FC6-4A20-83D8-0D88EADA6D1C}"/>
                   </a:ext>
                 </a:extLst>
               </p:cNvPr>
@@ -3634,8 +3959,8 @@
               </a:xfrm>
               <a:prstGeom prst="pie">
                 <a:avLst>
-                  <a:gd name="adj1" fmla="val 18900000"/>
-                  <a:gd name="adj2" fmla="val 16200000"/>
+                  <a:gd name="adj1" fmla="val 44642"/>
+                  <a:gd name="adj2" fmla="val 10845832"/>
                 </a:avLst>
               </a:prstGeom>
               <a:solidFill>
@@ -3673,67 +3998,24 @@
           </p:sp>
           <p:cxnSp>
             <p:nvCxnSpPr>
-              <p:cNvPr id="14" name="直線接點 13">
+              <p:cNvPr id="28" name="直線接點 27">
                 <a:extLst>
                   <a:ext uri="{FF2B5EF4-FFF2-40B4-BE49-F238E27FC236}">
-                    <a16:creationId xmlns:a16="http://schemas.microsoft.com/office/drawing/2014/main" id="{297B8DA8-0AA7-44AB-9D71-19BF154F06B3}"/>
+                    <a16:creationId xmlns:a16="http://schemas.microsoft.com/office/drawing/2014/main" id="{BEF08325-A274-4835-A015-99EE11A1661C}"/>
                   </a:ext>
                 </a:extLst>
               </p:cNvPr>
               <p:cNvCxnSpPr>
-                <a:stCxn id="12" idx="0"/>
-                <a:endCxn id="12" idx="4"/>
+                <a:cxnSpLocks/>
+                <a:stCxn id="26" idx="2"/>
+                <a:endCxn id="27" idx="0"/>
               </p:cNvCxnSpPr>
               <p:nvPr/>
             </p:nvCxnSpPr>
             <p:spPr>
-              <a:xfrm>
-                <a:off x="2108200" y="1278466"/>
-                <a:ext cx="0" cy="948267"/>
-              </a:xfrm>
-              <a:prstGeom prst="line">
-                <a:avLst/>
-              </a:prstGeom>
-              <a:ln w="28575">
-                <a:solidFill>
-                  <a:srgbClr val="FF0000"/>
-                </a:solidFill>
-              </a:ln>
-            </p:spPr>
-            <p:style>
-              <a:lnRef idx="1">
-                <a:schemeClr val="accent1"/>
-              </a:lnRef>
-              <a:fillRef idx="0">
-                <a:schemeClr val="accent1"/>
-              </a:fillRef>
-              <a:effectRef idx="0">
-                <a:schemeClr val="accent1"/>
-              </a:effectRef>
-              <a:fontRef idx="minor">
-                <a:schemeClr val="tx1"/>
-              </a:fontRef>
-            </p:style>
-          </p:cxnSp>
-          <p:cxnSp>
-            <p:nvCxnSpPr>
-              <p:cNvPr id="15" name="直線接點 14">
-                <a:extLst>
-                  <a:ext uri="{FF2B5EF4-FFF2-40B4-BE49-F238E27FC236}">
-                    <a16:creationId xmlns:a16="http://schemas.microsoft.com/office/drawing/2014/main" id="{C6935F57-243A-4C49-BBE1-32E6A7830C7C}"/>
-                  </a:ext>
-                </a:extLst>
-              </p:cNvPr>
-              <p:cNvCxnSpPr>
-                <a:stCxn id="12" idx="2"/>
-                <a:endCxn id="12" idx="6"/>
-              </p:cNvCxnSpPr>
-              <p:nvPr/>
-            </p:nvCxnSpPr>
-            <p:spPr>
-              <a:xfrm>
-                <a:off x="1642533" y="1752600"/>
-                <a:ext cx="931333" cy="0"/>
+              <a:xfrm flipV="1">
+                <a:off x="1642533" y="1752599"/>
+                <a:ext cx="922866" cy="1"/>
               </a:xfrm>
               <a:prstGeom prst="line">
                 <a:avLst/>
@@ -3760,603 +4042,352 @@
             </p:style>
           </p:cxnSp>
         </p:grpSp>
-        <p:cxnSp>
-          <p:nvCxnSpPr>
-            <p:cNvPr id="17" name="直線接點 16">
-              <a:extLst>
-                <a:ext uri="{FF2B5EF4-FFF2-40B4-BE49-F238E27FC236}">
-                  <a16:creationId xmlns:a16="http://schemas.microsoft.com/office/drawing/2014/main" id="{8CB22A4D-0DBF-464A-9CF7-3381518650B2}"/>
-                </a:ext>
-              </a:extLst>
-            </p:cNvPr>
-            <p:cNvCxnSpPr>
-              <a:stCxn id="12" idx="7"/>
-            </p:cNvCxnSpPr>
-            <p:nvPr/>
-          </p:nvCxnSpPr>
-          <p:spPr>
-            <a:xfrm flipH="1">
-              <a:off x="5096933" y="1942269"/>
-              <a:ext cx="642543" cy="665464"/>
-            </a:xfrm>
-            <a:prstGeom prst="line">
-              <a:avLst/>
-            </a:prstGeom>
-            <a:ln w="28575">
-              <a:solidFill>
-                <a:srgbClr val="FF0000"/>
-              </a:solidFill>
-            </a:ln>
-          </p:spPr>
-          <p:style>
-            <a:lnRef idx="1">
-              <a:schemeClr val="accent1"/>
-            </a:lnRef>
-            <a:fillRef idx="0">
-              <a:schemeClr val="accent1"/>
-            </a:fillRef>
-            <a:effectRef idx="0">
-              <a:schemeClr val="accent1"/>
-            </a:effectRef>
-            <a:fontRef idx="minor">
-              <a:schemeClr val="tx1"/>
-            </a:fontRef>
-          </p:style>
-        </p:cxnSp>
-        <p:cxnSp>
-          <p:nvCxnSpPr>
-            <p:cNvPr id="21" name="直線接點 20">
-              <a:extLst>
-                <a:ext uri="{FF2B5EF4-FFF2-40B4-BE49-F238E27FC236}">
-                  <a16:creationId xmlns:a16="http://schemas.microsoft.com/office/drawing/2014/main" id="{B51247B8-4D63-471D-9692-F2A0DF1350A9}"/>
-                </a:ext>
-              </a:extLst>
-            </p:cNvPr>
-            <p:cNvCxnSpPr>
-              <a:cxnSpLocks/>
-              <a:stCxn id="12" idx="5"/>
-            </p:cNvCxnSpPr>
-            <p:nvPr/>
-          </p:nvCxnSpPr>
-          <p:spPr>
-            <a:xfrm flipH="1" flipV="1">
-              <a:off x="5080928" y="1942270"/>
-              <a:ext cx="658548" cy="670526"/>
-            </a:xfrm>
-            <a:prstGeom prst="line">
-              <a:avLst/>
-            </a:prstGeom>
-            <a:ln w="28575">
-              <a:solidFill>
-                <a:srgbClr val="FF0000"/>
-              </a:solidFill>
-            </a:ln>
-          </p:spPr>
-          <p:style>
-            <a:lnRef idx="1">
-              <a:schemeClr val="accent1"/>
-            </a:lnRef>
-            <a:fillRef idx="0">
-              <a:schemeClr val="accent1"/>
-            </a:fillRef>
-            <a:effectRef idx="0">
-              <a:schemeClr val="accent1"/>
-            </a:effectRef>
-            <a:fontRef idx="minor">
-              <a:schemeClr val="tx1"/>
-            </a:fontRef>
-          </p:style>
-        </p:cxnSp>
+        <mc:AlternateContent xmlns:mc="http://schemas.openxmlformats.org/markup-compatibility/2006">
+          <mc:Choice xmlns:a14="http://schemas.microsoft.com/office/drawing/2010/main" Requires="a14">
+            <p:sp>
+              <p:nvSpPr>
+                <p:cNvPr id="30" name="文字方塊 29">
+                  <a:extLst>
+                    <a:ext uri="{FF2B5EF4-FFF2-40B4-BE49-F238E27FC236}">
+                      <a16:creationId xmlns:a16="http://schemas.microsoft.com/office/drawing/2014/main" id="{C1D33DC2-0692-4267-A28B-F5887F679FEB}"/>
+                    </a:ext>
+                  </a:extLst>
+                </p:cNvPr>
+                <p:cNvSpPr txBox="1"/>
+                <p:nvPr/>
+              </p:nvSpPr>
+              <p:spPr>
+                <a:xfrm>
+                  <a:off x="965201" y="1888067"/>
+                  <a:ext cx="914395" cy="369332"/>
+                </a:xfrm>
+                <a:prstGeom prst="rect">
+                  <a:avLst/>
+                </a:prstGeom>
+                <a:noFill/>
+              </p:spPr>
+              <p:txBody>
+                <a:bodyPr wrap="square" rtlCol="0">
+                  <a:spAutoFit/>
+                </a:bodyPr>
+                <a:lstStyle/>
+                <a:p>
+                  <a:pPr/>
+                  <a14:m>
+                    <m:oMathPara xmlns:m="http://schemas.openxmlformats.org/officeDocument/2006/math">
+                      <m:oMathParaPr>
+                        <m:jc m:val="centerGroup"/>
+                      </m:oMathParaPr>
+                      <m:oMath xmlns:m="http://schemas.openxmlformats.org/officeDocument/2006/math">
+                        <m:sSub>
+                          <m:sSubPr>
+                            <m:ctrlPr>
+                              <a:rPr lang="en-US" altLang="zh-TW" b="0" i="1" smtClean="0">
+                                <a:latin typeface="Cambria Math" panose="02040503050406030204" pitchFamily="18" charset="0"/>
+                              </a:rPr>
+                            </m:ctrlPr>
+                          </m:sSubPr>
+                          <m:e>
+                            <m:r>
+                              <a:rPr lang="en-US" altLang="zh-TW" b="0" i="1" smtClean="0">
+                                <a:latin typeface="Cambria Math" panose="02040503050406030204" pitchFamily="18" charset="0"/>
+                              </a:rPr>
+                              <m:t>𝑤</m:t>
+                            </m:r>
+                          </m:e>
+                          <m:sub>
+                            <m:r>
+                              <a:rPr lang="en-US" altLang="zh-TW" b="0" i="1" smtClean="0">
+                                <a:latin typeface="Cambria Math" panose="02040503050406030204" pitchFamily="18" charset="0"/>
+                              </a:rPr>
+                              <m:t>2</m:t>
+                            </m:r>
+                          </m:sub>
+                        </m:sSub>
+                      </m:oMath>
+                    </m:oMathPara>
+                  </a14:m>
+                  <a:endParaRPr lang="zh-TW" altLang="en-US" dirty="0"/>
+                </a:p>
+              </p:txBody>
+            </p:sp>
+          </mc:Choice>
+          <mc:Fallback>
+            <p:sp>
+              <p:nvSpPr>
+                <p:cNvPr id="30" name="文字方塊 29">
+                  <a:extLst>
+                    <a:ext uri="{FF2B5EF4-FFF2-40B4-BE49-F238E27FC236}">
+                      <a16:creationId xmlns:a16="http://schemas.microsoft.com/office/drawing/2014/main" id="{C1D33DC2-0692-4267-A28B-F5887F679FEB}"/>
+                    </a:ext>
+                  </a:extLst>
+                </p:cNvPr>
+                <p:cNvSpPr txBox="1">
+                  <a:spLocks noRot="1" noChangeAspect="1" noMove="1" noResize="1" noEditPoints="1" noAdjustHandles="1" noChangeArrowheads="1" noChangeShapeType="1" noTextEdit="1"/>
+                </p:cNvSpPr>
+                <p:nvPr/>
+              </p:nvSpPr>
+              <p:spPr>
+                <a:xfrm>
+                  <a:off x="965201" y="1888067"/>
+                  <a:ext cx="914395" cy="369332"/>
+                </a:xfrm>
+                <a:prstGeom prst="rect">
+                  <a:avLst/>
+                </a:prstGeom>
+                <a:blipFill>
+                  <a:blip r:embed="rId2"/>
+                  <a:stretch>
+                    <a:fillRect/>
+                  </a:stretch>
+                </a:blipFill>
+              </p:spPr>
+              <p:txBody>
+                <a:bodyPr/>
+                <a:lstStyle/>
+                <a:p>
+                  <a:r>
+                    <a:rPr lang="zh-TW" altLang="en-US">
+                      <a:noFill/>
+                    </a:rPr>
+                    <a:t> </a:t>
+                  </a:r>
+                </a:p>
+              </p:txBody>
+            </p:sp>
+          </mc:Fallback>
+        </mc:AlternateContent>
+        <mc:AlternateContent xmlns:mc="http://schemas.openxmlformats.org/markup-compatibility/2006">
+          <mc:Choice xmlns:a14="http://schemas.microsoft.com/office/drawing/2010/main" Requires="a14">
+            <p:sp>
+              <p:nvSpPr>
+                <p:cNvPr id="31" name="文字方塊 30">
+                  <a:extLst>
+                    <a:ext uri="{FF2B5EF4-FFF2-40B4-BE49-F238E27FC236}">
+                      <a16:creationId xmlns:a16="http://schemas.microsoft.com/office/drawing/2014/main" id="{3F499B36-FFD4-4580-87CD-FD6C4236A2E5}"/>
+                    </a:ext>
+                  </a:extLst>
+                </p:cNvPr>
+                <p:cNvSpPr txBox="1"/>
+                <p:nvPr/>
+              </p:nvSpPr>
+              <p:spPr>
+                <a:xfrm>
+                  <a:off x="2497667" y="1908201"/>
+                  <a:ext cx="914395" cy="369332"/>
+                </a:xfrm>
+                <a:prstGeom prst="rect">
+                  <a:avLst/>
+                </a:prstGeom>
+                <a:noFill/>
+              </p:spPr>
+              <p:txBody>
+                <a:bodyPr wrap="square" rtlCol="0">
+                  <a:spAutoFit/>
+                </a:bodyPr>
+                <a:lstStyle/>
+                <a:p>
+                  <a:pPr/>
+                  <a14:m>
+                    <m:oMathPara xmlns:m="http://schemas.openxmlformats.org/officeDocument/2006/math">
+                      <m:oMathParaPr>
+                        <m:jc m:val="centerGroup"/>
+                      </m:oMathParaPr>
+                      <m:oMath xmlns:m="http://schemas.openxmlformats.org/officeDocument/2006/math">
+                        <m:sSub>
+                          <m:sSubPr>
+                            <m:ctrlPr>
+                              <a:rPr lang="en-US" altLang="zh-TW" b="0" i="1" smtClean="0">
+                                <a:latin typeface="Cambria Math" panose="02040503050406030204" pitchFamily="18" charset="0"/>
+                              </a:rPr>
+                            </m:ctrlPr>
+                          </m:sSubPr>
+                          <m:e>
+                            <m:r>
+                              <a:rPr lang="en-US" altLang="zh-TW" b="0" i="1" smtClean="0">
+                                <a:latin typeface="Cambria Math" panose="02040503050406030204" pitchFamily="18" charset="0"/>
+                              </a:rPr>
+                              <m:t>𝑤</m:t>
+                            </m:r>
+                          </m:e>
+                          <m:sub>
+                            <m:r>
+                              <a:rPr lang="en-US" altLang="zh-TW" b="0" i="1" smtClean="0">
+                                <a:latin typeface="Cambria Math" panose="02040503050406030204" pitchFamily="18" charset="0"/>
+                              </a:rPr>
+                              <m:t>4</m:t>
+                            </m:r>
+                          </m:sub>
+                        </m:sSub>
+                      </m:oMath>
+                    </m:oMathPara>
+                  </a14:m>
+                  <a:endParaRPr lang="zh-TW" altLang="en-US" dirty="0"/>
+                </a:p>
+              </p:txBody>
+            </p:sp>
+          </mc:Choice>
+          <mc:Fallback>
+            <p:sp>
+              <p:nvSpPr>
+                <p:cNvPr id="31" name="文字方塊 30">
+                  <a:extLst>
+                    <a:ext uri="{FF2B5EF4-FFF2-40B4-BE49-F238E27FC236}">
+                      <a16:creationId xmlns:a16="http://schemas.microsoft.com/office/drawing/2014/main" id="{3F499B36-FFD4-4580-87CD-FD6C4236A2E5}"/>
+                    </a:ext>
+                  </a:extLst>
+                </p:cNvPr>
+                <p:cNvSpPr txBox="1">
+                  <a:spLocks noRot="1" noChangeAspect="1" noMove="1" noResize="1" noEditPoints="1" noAdjustHandles="1" noChangeArrowheads="1" noChangeShapeType="1" noTextEdit="1"/>
+                </p:cNvSpPr>
+                <p:nvPr/>
+              </p:nvSpPr>
+              <p:spPr>
+                <a:xfrm>
+                  <a:off x="2497667" y="1908201"/>
+                  <a:ext cx="914395" cy="369332"/>
+                </a:xfrm>
+                <a:prstGeom prst="rect">
+                  <a:avLst/>
+                </a:prstGeom>
+                <a:blipFill>
+                  <a:blip r:embed="rId3"/>
+                  <a:stretch>
+                    <a:fillRect/>
+                  </a:stretch>
+                </a:blipFill>
+              </p:spPr>
+              <p:txBody>
+                <a:bodyPr/>
+                <a:lstStyle/>
+                <a:p>
+                  <a:r>
+                    <a:rPr lang="zh-TW" altLang="en-US">
+                      <a:noFill/>
+                    </a:rPr>
+                    <a:t> </a:t>
+                  </a:r>
+                </a:p>
+              </p:txBody>
+            </p:sp>
+          </mc:Fallback>
+        </mc:AlternateContent>
+        <mc:AlternateContent xmlns:mc="http://schemas.openxmlformats.org/markup-compatibility/2006">
+          <mc:Choice xmlns:a14="http://schemas.microsoft.com/office/drawing/2010/main" Requires="a14">
+            <p:sp>
+              <p:nvSpPr>
+                <p:cNvPr id="32" name="文字方塊 31">
+                  <a:extLst>
+                    <a:ext uri="{FF2B5EF4-FFF2-40B4-BE49-F238E27FC236}">
+                      <a16:creationId xmlns:a16="http://schemas.microsoft.com/office/drawing/2014/main" id="{64E4AAD2-A60E-42E1-85DB-E01F881C52A8}"/>
+                    </a:ext>
+                  </a:extLst>
+                </p:cNvPr>
+                <p:cNvSpPr txBox="1"/>
+                <p:nvPr/>
+              </p:nvSpPr>
+              <p:spPr>
+                <a:xfrm>
+                  <a:off x="4055539" y="1908201"/>
+                  <a:ext cx="914395" cy="369332"/>
+                </a:xfrm>
+                <a:prstGeom prst="rect">
+                  <a:avLst/>
+                </a:prstGeom>
+                <a:noFill/>
+              </p:spPr>
+              <p:txBody>
+                <a:bodyPr wrap="square" rtlCol="0">
+                  <a:spAutoFit/>
+                </a:bodyPr>
+                <a:lstStyle/>
+                <a:p>
+                  <a:pPr/>
+                  <a14:m>
+                    <m:oMathPara xmlns:m="http://schemas.openxmlformats.org/officeDocument/2006/math">
+                      <m:oMathParaPr>
+                        <m:jc m:val="centerGroup"/>
+                      </m:oMathParaPr>
+                      <m:oMath xmlns:m="http://schemas.openxmlformats.org/officeDocument/2006/math">
+                        <m:sSub>
+                          <m:sSubPr>
+                            <m:ctrlPr>
+                              <a:rPr lang="en-US" altLang="zh-TW" b="0" i="1" smtClean="0">
+                                <a:latin typeface="Cambria Math" panose="02040503050406030204" pitchFamily="18" charset="0"/>
+                              </a:rPr>
+                            </m:ctrlPr>
+                          </m:sSubPr>
+                          <m:e>
+                            <m:r>
+                              <a:rPr lang="en-US" altLang="zh-TW" b="0" i="1" smtClean="0">
+                                <a:latin typeface="Cambria Math" panose="02040503050406030204" pitchFamily="18" charset="0"/>
+                              </a:rPr>
+                              <m:t>𝑤</m:t>
+                            </m:r>
+                          </m:e>
+                          <m:sub>
+                            <m:r>
+                              <a:rPr lang="en-US" altLang="zh-TW" b="0" i="1" smtClean="0">
+                                <a:latin typeface="Cambria Math" panose="02040503050406030204" pitchFamily="18" charset="0"/>
+                              </a:rPr>
+                              <m:t>8</m:t>
+                            </m:r>
+                          </m:sub>
+                        </m:sSub>
+                      </m:oMath>
+                    </m:oMathPara>
+                  </a14:m>
+                  <a:endParaRPr lang="zh-TW" altLang="en-US" dirty="0"/>
+                </a:p>
+              </p:txBody>
+            </p:sp>
+          </mc:Choice>
+          <mc:Fallback>
+            <p:sp>
+              <p:nvSpPr>
+                <p:cNvPr id="32" name="文字方塊 31">
+                  <a:extLst>
+                    <a:ext uri="{FF2B5EF4-FFF2-40B4-BE49-F238E27FC236}">
+                      <a16:creationId xmlns:a16="http://schemas.microsoft.com/office/drawing/2014/main" id="{64E4AAD2-A60E-42E1-85DB-E01F881C52A8}"/>
+                    </a:ext>
+                  </a:extLst>
+                </p:cNvPr>
+                <p:cNvSpPr txBox="1">
+                  <a:spLocks noRot="1" noChangeAspect="1" noMove="1" noResize="1" noEditPoints="1" noAdjustHandles="1" noChangeArrowheads="1" noChangeShapeType="1" noTextEdit="1"/>
+                </p:cNvSpPr>
+                <p:nvPr/>
+              </p:nvSpPr>
+              <p:spPr>
+                <a:xfrm>
+                  <a:off x="4055539" y="1908201"/>
+                  <a:ext cx="914395" cy="369332"/>
+                </a:xfrm>
+                <a:prstGeom prst="rect">
+                  <a:avLst/>
+                </a:prstGeom>
+                <a:blipFill>
+                  <a:blip r:embed="rId4"/>
+                  <a:stretch>
+                    <a:fillRect/>
+                  </a:stretch>
+                </a:blipFill>
+              </p:spPr>
+              <p:txBody>
+                <a:bodyPr/>
+                <a:lstStyle/>
+                <a:p>
+                  <a:r>
+                    <a:rPr lang="zh-TW" altLang="en-US">
+                      <a:noFill/>
+                    </a:rPr>
+                    <a:t> </a:t>
+                  </a:r>
+                </a:p>
+              </p:txBody>
+            </p:sp>
+          </mc:Fallback>
+        </mc:AlternateContent>
       </p:grpSp>
-      <p:grpSp>
-        <p:nvGrpSpPr>
-          <p:cNvPr id="25" name="群組 24">
-            <a:extLst>
-              <a:ext uri="{FF2B5EF4-FFF2-40B4-BE49-F238E27FC236}">
-                <a16:creationId xmlns:a16="http://schemas.microsoft.com/office/drawing/2014/main" id="{A03D0E80-0A4F-4EA9-96D7-F52BBFDFE150}"/>
-              </a:ext>
-            </a:extLst>
-          </p:cNvPr>
-          <p:cNvGrpSpPr/>
-          <p:nvPr/>
-        </p:nvGrpSpPr>
-        <p:grpSpPr>
-          <a:xfrm>
-            <a:off x="956735" y="869533"/>
-            <a:ext cx="931333" cy="948267"/>
-            <a:chOff x="1642533" y="1278466"/>
-            <a:chExt cx="931333" cy="948267"/>
-          </a:xfrm>
-        </p:grpSpPr>
-        <p:sp>
-          <p:nvSpPr>
-            <p:cNvPr id="26" name="橢圓 25">
-              <a:extLst>
-                <a:ext uri="{FF2B5EF4-FFF2-40B4-BE49-F238E27FC236}">
-                  <a16:creationId xmlns:a16="http://schemas.microsoft.com/office/drawing/2014/main" id="{06B0411B-003C-44AE-B35E-3A7ABE23E49C}"/>
-                </a:ext>
-              </a:extLst>
-            </p:cNvPr>
-            <p:cNvSpPr/>
-            <p:nvPr/>
-          </p:nvSpPr>
-          <p:spPr>
-            <a:xfrm>
-              <a:off x="1642533" y="1278466"/>
-              <a:ext cx="931333" cy="948267"/>
-            </a:xfrm>
-            <a:prstGeom prst="ellipse">
-              <a:avLst/>
-            </a:prstGeom>
-          </p:spPr>
-          <p:style>
-            <a:lnRef idx="2">
-              <a:schemeClr val="accent1">
-                <a:shade val="50000"/>
-              </a:schemeClr>
-            </a:lnRef>
-            <a:fillRef idx="1">
-              <a:schemeClr val="accent1"/>
-            </a:fillRef>
-            <a:effectRef idx="0">
-              <a:schemeClr val="accent1"/>
-            </a:effectRef>
-            <a:fontRef idx="minor">
-              <a:schemeClr val="lt1"/>
-            </a:fontRef>
-          </p:style>
-          <p:txBody>
-            <a:bodyPr rtlCol="0" anchor="ctr"/>
-            <a:lstStyle/>
-            <a:p>
-              <a:pPr algn="ctr"/>
-              <a:endParaRPr lang="zh-TW" altLang="en-US"/>
-            </a:p>
-          </p:txBody>
-        </p:sp>
-        <p:sp>
-          <p:nvSpPr>
-            <p:cNvPr id="27" name="局部圓 26">
-              <a:extLst>
-                <a:ext uri="{FF2B5EF4-FFF2-40B4-BE49-F238E27FC236}">
-                  <a16:creationId xmlns:a16="http://schemas.microsoft.com/office/drawing/2014/main" id="{0F3036E1-8FC6-4A20-83D8-0D88EADA6D1C}"/>
-                </a:ext>
-              </a:extLst>
-            </p:cNvPr>
-            <p:cNvSpPr/>
-            <p:nvPr/>
-          </p:nvSpPr>
-          <p:spPr>
-            <a:xfrm>
-              <a:off x="1650999" y="1295399"/>
-              <a:ext cx="914400" cy="914400"/>
-            </a:xfrm>
-            <a:prstGeom prst="pie">
-              <a:avLst>
-                <a:gd name="adj1" fmla="val 5400000"/>
-                <a:gd name="adj2" fmla="val 16200000"/>
-              </a:avLst>
-            </a:prstGeom>
-            <a:solidFill>
-              <a:schemeClr val="bg1"/>
-            </a:solidFill>
-          </p:spPr>
-          <p:style>
-            <a:lnRef idx="2">
-              <a:schemeClr val="accent1">
-                <a:shade val="50000"/>
-              </a:schemeClr>
-            </a:lnRef>
-            <a:fillRef idx="1">
-              <a:schemeClr val="accent1"/>
-            </a:fillRef>
-            <a:effectRef idx="0">
-              <a:schemeClr val="accent1"/>
-            </a:effectRef>
-            <a:fontRef idx="minor">
-              <a:schemeClr val="lt1"/>
-            </a:fontRef>
-          </p:style>
-          <p:txBody>
-            <a:bodyPr rtlCol="0" anchor="ctr"/>
-            <a:lstStyle/>
-            <a:p>
-              <a:pPr algn="ctr"/>
-              <a:endParaRPr lang="zh-TW" altLang="en-US">
-                <a:solidFill>
-                  <a:schemeClr val="tx1"/>
-                </a:solidFill>
-              </a:endParaRPr>
-            </a:p>
-          </p:txBody>
-        </p:sp>
-        <p:cxnSp>
-          <p:nvCxnSpPr>
-            <p:cNvPr id="28" name="直線接點 27">
-              <a:extLst>
-                <a:ext uri="{FF2B5EF4-FFF2-40B4-BE49-F238E27FC236}">
-                  <a16:creationId xmlns:a16="http://schemas.microsoft.com/office/drawing/2014/main" id="{BEF08325-A274-4835-A015-99EE11A1661C}"/>
-                </a:ext>
-              </a:extLst>
-            </p:cNvPr>
-            <p:cNvCxnSpPr>
-              <a:stCxn id="26" idx="0"/>
-              <a:endCxn id="26" idx="4"/>
-            </p:cNvCxnSpPr>
-            <p:nvPr/>
-          </p:nvCxnSpPr>
-          <p:spPr>
-            <a:xfrm>
-              <a:off x="2108200" y="1278466"/>
-              <a:ext cx="0" cy="948267"/>
-            </a:xfrm>
-            <a:prstGeom prst="line">
-              <a:avLst/>
-            </a:prstGeom>
-            <a:ln w="28575">
-              <a:solidFill>
-                <a:srgbClr val="FF0000"/>
-              </a:solidFill>
-            </a:ln>
-          </p:spPr>
-          <p:style>
-            <a:lnRef idx="1">
-              <a:schemeClr val="accent1"/>
-            </a:lnRef>
-            <a:fillRef idx="0">
-              <a:schemeClr val="accent1"/>
-            </a:fillRef>
-            <a:effectRef idx="0">
-              <a:schemeClr val="accent1"/>
-            </a:effectRef>
-            <a:fontRef idx="minor">
-              <a:schemeClr val="tx1"/>
-            </a:fontRef>
-          </p:style>
-        </p:cxnSp>
-      </p:grpSp>
-      <mc:AlternateContent xmlns:mc="http://schemas.openxmlformats.org/markup-compatibility/2006">
-        <mc:Choice xmlns:a14="http://schemas.microsoft.com/office/drawing/2010/main" Requires="a14">
-          <p:sp>
-            <p:nvSpPr>
-              <p:cNvPr id="30" name="文字方塊 29">
-                <a:extLst>
-                  <a:ext uri="{FF2B5EF4-FFF2-40B4-BE49-F238E27FC236}">
-                    <a16:creationId xmlns:a16="http://schemas.microsoft.com/office/drawing/2014/main" id="{C1D33DC2-0692-4267-A28B-F5887F679FEB}"/>
-                  </a:ext>
-                </a:extLst>
-              </p:cNvPr>
-              <p:cNvSpPr txBox="1"/>
-              <p:nvPr/>
-            </p:nvSpPr>
-            <p:spPr>
-              <a:xfrm>
-                <a:off x="965201" y="1888067"/>
-                <a:ext cx="914395" cy="369332"/>
-              </a:xfrm>
-              <a:prstGeom prst="rect">
-                <a:avLst/>
-              </a:prstGeom>
-              <a:noFill/>
-            </p:spPr>
-            <p:txBody>
-              <a:bodyPr wrap="square" rtlCol="0">
-                <a:spAutoFit/>
-              </a:bodyPr>
-              <a:lstStyle/>
-              <a:p>
-                <a14:m>
-                  <m:oMathPara xmlns:m="http://schemas.openxmlformats.org/officeDocument/2006/math">
-                    <m:oMathParaPr>
-                      <m:jc m:val="centerGroup"/>
-                    </m:oMathParaPr>
-                    <m:oMath xmlns:m="http://schemas.openxmlformats.org/officeDocument/2006/math">
-                      <m:sSub>
-                        <m:sSubPr>
-                          <m:ctrlPr>
-                            <a:rPr lang="en-US" altLang="zh-TW" b="0" i="1" smtClean="0">
-                              <a:latin typeface="Cambria Math" panose="02040503050406030204" pitchFamily="18" charset="0"/>
-                            </a:rPr>
-                          </m:ctrlPr>
-                        </m:sSubPr>
-                        <m:e>
-                          <m:r>
-                            <a:rPr lang="en-US" altLang="zh-TW" b="0" i="1" smtClean="0">
-                              <a:latin typeface="Cambria Math" panose="02040503050406030204" pitchFamily="18" charset="0"/>
-                            </a:rPr>
-                            <m:t>𝑤</m:t>
-                          </m:r>
-                        </m:e>
-                        <m:sub>
-                          <m:r>
-                            <a:rPr lang="en-US" altLang="zh-TW" b="0" i="1" smtClean="0">
-                              <a:latin typeface="Cambria Math" panose="02040503050406030204" pitchFamily="18" charset="0"/>
-                            </a:rPr>
-                            <m:t>2</m:t>
-                          </m:r>
-                        </m:sub>
-                      </m:sSub>
-                    </m:oMath>
-                  </m:oMathPara>
-                </a14:m>
-                <a:endParaRPr lang="zh-TW" altLang="en-US" dirty="0"/>
-              </a:p>
-            </p:txBody>
-          </p:sp>
-        </mc:Choice>
-        <mc:Fallback>
-          <p:sp>
-            <p:nvSpPr>
-              <p:cNvPr id="30" name="文字方塊 29">
-                <a:extLst>
-                  <a:ext uri="{FF2B5EF4-FFF2-40B4-BE49-F238E27FC236}">
-                    <a16:creationId xmlns:a16="http://schemas.microsoft.com/office/drawing/2014/main" id="{C1D33DC2-0692-4267-A28B-F5887F679FEB}"/>
-                  </a:ext>
-                </a:extLst>
-              </p:cNvPr>
-              <p:cNvSpPr txBox="1">
-                <a:spLocks noRot="1" noChangeAspect="1" noMove="1" noResize="1" noEditPoints="1" noAdjustHandles="1" noChangeArrowheads="1" noChangeShapeType="1" noTextEdit="1"/>
-              </p:cNvSpPr>
-              <p:nvPr/>
-            </p:nvSpPr>
-            <p:spPr>
-              <a:xfrm>
-                <a:off x="965201" y="1888067"/>
-                <a:ext cx="914395" cy="369332"/>
-              </a:xfrm>
-              <a:prstGeom prst="rect">
-                <a:avLst/>
-              </a:prstGeom>
-              <a:blipFill>
-                <a:blip r:embed="rId2"/>
-                <a:stretch>
-                  <a:fillRect/>
-                </a:stretch>
-              </a:blipFill>
-            </p:spPr>
-            <p:txBody>
-              <a:bodyPr/>
-              <a:lstStyle/>
-              <a:p>
-                <a:r>
-                  <a:rPr lang="zh-TW" altLang="en-US">
-                    <a:noFill/>
-                  </a:rPr>
-                  <a:t> </a:t>
-                </a:r>
-              </a:p>
-            </p:txBody>
-          </p:sp>
-        </mc:Fallback>
-      </mc:AlternateContent>
-      <mc:AlternateContent xmlns:mc="http://schemas.openxmlformats.org/markup-compatibility/2006">
-        <mc:Choice xmlns:a14="http://schemas.microsoft.com/office/drawing/2010/main" Requires="a14">
-          <p:sp>
-            <p:nvSpPr>
-              <p:cNvPr id="31" name="文字方塊 30">
-                <a:extLst>
-                  <a:ext uri="{FF2B5EF4-FFF2-40B4-BE49-F238E27FC236}">
-                    <a16:creationId xmlns:a16="http://schemas.microsoft.com/office/drawing/2014/main" id="{3F499B36-FFD4-4580-87CD-FD6C4236A2E5}"/>
-                  </a:ext>
-                </a:extLst>
-              </p:cNvPr>
-              <p:cNvSpPr txBox="1"/>
-              <p:nvPr/>
-            </p:nvSpPr>
-            <p:spPr>
-              <a:xfrm>
-                <a:off x="2497667" y="1908201"/>
-                <a:ext cx="914395" cy="369332"/>
-              </a:xfrm>
-              <a:prstGeom prst="rect">
-                <a:avLst/>
-              </a:prstGeom>
-              <a:noFill/>
-            </p:spPr>
-            <p:txBody>
-              <a:bodyPr wrap="square" rtlCol="0">
-                <a:spAutoFit/>
-              </a:bodyPr>
-              <a:lstStyle/>
-              <a:p>
-                <a14:m>
-                  <m:oMathPara xmlns:m="http://schemas.openxmlformats.org/officeDocument/2006/math">
-                    <m:oMathParaPr>
-                      <m:jc m:val="centerGroup"/>
-                    </m:oMathParaPr>
-                    <m:oMath xmlns:m="http://schemas.openxmlformats.org/officeDocument/2006/math">
-                      <m:sSub>
-                        <m:sSubPr>
-                          <m:ctrlPr>
-                            <a:rPr lang="en-US" altLang="zh-TW" b="0" i="1" smtClean="0">
-                              <a:latin typeface="Cambria Math" panose="02040503050406030204" pitchFamily="18" charset="0"/>
-                            </a:rPr>
-                          </m:ctrlPr>
-                        </m:sSubPr>
-                        <m:e>
-                          <m:r>
-                            <a:rPr lang="en-US" altLang="zh-TW" b="0" i="1" smtClean="0">
-                              <a:latin typeface="Cambria Math" panose="02040503050406030204" pitchFamily="18" charset="0"/>
-                            </a:rPr>
-                            <m:t>𝑤</m:t>
-                          </m:r>
-                        </m:e>
-                        <m:sub>
-                          <m:r>
-                            <a:rPr lang="en-US" altLang="zh-TW" b="0" i="1" smtClean="0">
-                              <a:latin typeface="Cambria Math" panose="02040503050406030204" pitchFamily="18" charset="0"/>
-                            </a:rPr>
-                            <m:t>4</m:t>
-                          </m:r>
-                        </m:sub>
-                      </m:sSub>
-                    </m:oMath>
-                  </m:oMathPara>
-                </a14:m>
-                <a:endParaRPr lang="zh-TW" altLang="en-US" dirty="0"/>
-              </a:p>
-            </p:txBody>
-          </p:sp>
-        </mc:Choice>
-        <mc:Fallback>
-          <p:sp>
-            <p:nvSpPr>
-              <p:cNvPr id="31" name="文字方塊 30">
-                <a:extLst>
-                  <a:ext uri="{FF2B5EF4-FFF2-40B4-BE49-F238E27FC236}">
-                    <a16:creationId xmlns:a16="http://schemas.microsoft.com/office/drawing/2014/main" id="{3F499B36-FFD4-4580-87CD-FD6C4236A2E5}"/>
-                  </a:ext>
-                </a:extLst>
-              </p:cNvPr>
-              <p:cNvSpPr txBox="1">
-                <a:spLocks noRot="1" noChangeAspect="1" noMove="1" noResize="1" noEditPoints="1" noAdjustHandles="1" noChangeArrowheads="1" noChangeShapeType="1" noTextEdit="1"/>
-              </p:cNvSpPr>
-              <p:nvPr/>
-            </p:nvSpPr>
-            <p:spPr>
-              <a:xfrm>
-                <a:off x="2497667" y="1908201"/>
-                <a:ext cx="914395" cy="369332"/>
-              </a:xfrm>
-              <a:prstGeom prst="rect">
-                <a:avLst/>
-              </a:prstGeom>
-              <a:blipFill>
-                <a:blip r:embed="rId3"/>
-                <a:stretch>
-                  <a:fillRect/>
-                </a:stretch>
-              </a:blipFill>
-            </p:spPr>
-            <p:txBody>
-              <a:bodyPr/>
-              <a:lstStyle/>
-              <a:p>
-                <a:r>
-                  <a:rPr lang="zh-TW" altLang="en-US">
-                    <a:noFill/>
-                  </a:rPr>
-                  <a:t> </a:t>
-                </a:r>
-              </a:p>
-            </p:txBody>
-          </p:sp>
-        </mc:Fallback>
-      </mc:AlternateContent>
-      <mc:AlternateContent xmlns:mc="http://schemas.openxmlformats.org/markup-compatibility/2006">
-        <mc:Choice xmlns:a14="http://schemas.microsoft.com/office/drawing/2010/main" Requires="a14">
-          <p:sp>
-            <p:nvSpPr>
-              <p:cNvPr id="32" name="文字方塊 31">
-                <a:extLst>
-                  <a:ext uri="{FF2B5EF4-FFF2-40B4-BE49-F238E27FC236}">
-                    <a16:creationId xmlns:a16="http://schemas.microsoft.com/office/drawing/2014/main" id="{64E4AAD2-A60E-42E1-85DB-E01F881C52A8}"/>
-                  </a:ext>
-                </a:extLst>
-              </p:cNvPr>
-              <p:cNvSpPr txBox="1"/>
-              <p:nvPr/>
-            </p:nvSpPr>
-            <p:spPr>
-              <a:xfrm>
-                <a:off x="4055539" y="1908201"/>
-                <a:ext cx="914395" cy="369332"/>
-              </a:xfrm>
-              <a:prstGeom prst="rect">
-                <a:avLst/>
-              </a:prstGeom>
-              <a:noFill/>
-            </p:spPr>
-            <p:txBody>
-              <a:bodyPr wrap="square" rtlCol="0">
-                <a:spAutoFit/>
-              </a:bodyPr>
-              <a:lstStyle/>
-              <a:p>
-                <a14:m>
-                  <m:oMathPara xmlns:m="http://schemas.openxmlformats.org/officeDocument/2006/math">
-                    <m:oMathParaPr>
-                      <m:jc m:val="centerGroup"/>
-                    </m:oMathParaPr>
-                    <m:oMath xmlns:m="http://schemas.openxmlformats.org/officeDocument/2006/math">
-                      <m:sSub>
-                        <m:sSubPr>
-                          <m:ctrlPr>
-                            <a:rPr lang="en-US" altLang="zh-TW" b="0" i="1" smtClean="0">
-                              <a:latin typeface="Cambria Math" panose="02040503050406030204" pitchFamily="18" charset="0"/>
-                            </a:rPr>
-                          </m:ctrlPr>
-                        </m:sSubPr>
-                        <m:e>
-                          <m:r>
-                            <a:rPr lang="en-US" altLang="zh-TW" b="0" i="1" smtClean="0">
-                              <a:latin typeface="Cambria Math" panose="02040503050406030204" pitchFamily="18" charset="0"/>
-                            </a:rPr>
-                            <m:t>𝑤</m:t>
-                          </m:r>
-                        </m:e>
-                        <m:sub>
-                          <m:r>
-                            <a:rPr lang="en-US" altLang="zh-TW" b="0" i="1" smtClean="0">
-                              <a:latin typeface="Cambria Math" panose="02040503050406030204" pitchFamily="18" charset="0"/>
-                            </a:rPr>
-                            <m:t>8</m:t>
-                          </m:r>
-                        </m:sub>
-                      </m:sSub>
-                    </m:oMath>
-                  </m:oMathPara>
-                </a14:m>
-                <a:endParaRPr lang="zh-TW" altLang="en-US" dirty="0"/>
-              </a:p>
-            </p:txBody>
-          </p:sp>
-        </mc:Choice>
-        <mc:Fallback>
-          <p:sp>
-            <p:nvSpPr>
-              <p:cNvPr id="32" name="文字方塊 31">
-                <a:extLst>
-                  <a:ext uri="{FF2B5EF4-FFF2-40B4-BE49-F238E27FC236}">
-                    <a16:creationId xmlns:a16="http://schemas.microsoft.com/office/drawing/2014/main" id="{64E4AAD2-A60E-42E1-85DB-E01F881C52A8}"/>
-                  </a:ext>
-                </a:extLst>
-              </p:cNvPr>
-              <p:cNvSpPr txBox="1">
-                <a:spLocks noRot="1" noChangeAspect="1" noMove="1" noResize="1" noEditPoints="1" noAdjustHandles="1" noChangeArrowheads="1" noChangeShapeType="1" noTextEdit="1"/>
-              </p:cNvSpPr>
-              <p:nvPr/>
-            </p:nvSpPr>
-            <p:spPr>
-              <a:xfrm>
-                <a:off x="4055539" y="1908201"/>
-                <a:ext cx="914395" cy="369332"/>
-              </a:xfrm>
-              <a:prstGeom prst="rect">
-                <a:avLst/>
-              </a:prstGeom>
-              <a:blipFill>
-                <a:blip r:embed="rId4"/>
-                <a:stretch>
-                  <a:fillRect/>
-                </a:stretch>
-              </a:blipFill>
-            </p:spPr>
-            <p:txBody>
-              <a:bodyPr/>
-              <a:lstStyle/>
-              <a:p>
-                <a:r>
-                  <a:rPr lang="zh-TW" altLang="en-US">
-                    <a:noFill/>
-                  </a:rPr>
-                  <a:t> </a:t>
-                </a:r>
-              </a:p>
-            </p:txBody>
-          </p:sp>
-        </mc:Fallback>
-      </mc:AlternateContent>
     </p:spTree>
     <p:extLst>
       <p:ext uri="{BB962C8B-B14F-4D97-AF65-F5344CB8AC3E}">
